--- a/ppt 16-9/0340.快来信耶稣.pptx
+++ b/ppt 16-9/0340.快来信耶稣.pptx
@@ -5,7 +5,7 @@
     <p:sldMasterId id="2147483648" r:id="rId1"/>
   </p:sldMasterIdLst>
   <p:sldIdLst>
-    <p:sldId id="3239" r:id="rId2"/>
+    <p:sldId id="3240" r:id="rId2"/>
   </p:sldIdLst>
   <p:sldSz cx="12192000" cy="6858000"/>
   <p:notesSz cx="6858000" cy="9144000"/>
@@ -129,7 +129,7 @@
           <p:cNvPr id="2" name="标题 1">
             <a:extLst>
               <a:ext uri="{FF2B5EF4-FFF2-40B4-BE49-F238E27FC236}">
-                <a16:creationId xmlns:a16="http://schemas.microsoft.com/office/drawing/2014/main" id="{D90E19D9-8350-F1B3-AE7A-F44D2C45C0CA}"/>
+                <a16:creationId xmlns:a16="http://schemas.microsoft.com/office/drawing/2014/main" id="{6DB896E2-50EF-D667-F9C8-FA7724E57F40}"/>
               </a:ext>
             </a:extLst>
           </p:cNvPr>
@@ -166,7 +166,7 @@
           <p:cNvPr id="3" name="副标题 2">
             <a:extLst>
               <a:ext uri="{FF2B5EF4-FFF2-40B4-BE49-F238E27FC236}">
-                <a16:creationId xmlns:a16="http://schemas.microsoft.com/office/drawing/2014/main" id="{F10F74A3-BC41-C18B-19A2-E9CC371C1B19}"/>
+                <a16:creationId xmlns:a16="http://schemas.microsoft.com/office/drawing/2014/main" id="{4B412CEA-02A6-4922-C574-DCABB07FAD90}"/>
               </a:ext>
             </a:extLst>
           </p:cNvPr>
@@ -236,7 +236,7 @@
           <p:cNvPr id="4" name="日期占位符 3">
             <a:extLst>
               <a:ext uri="{FF2B5EF4-FFF2-40B4-BE49-F238E27FC236}">
-                <a16:creationId xmlns:a16="http://schemas.microsoft.com/office/drawing/2014/main" id="{0B977BAD-EDDE-7CD4-91E0-EBFE373B408B}"/>
+                <a16:creationId xmlns:a16="http://schemas.microsoft.com/office/drawing/2014/main" id="{0881060D-3F0F-6ED4-CCE1-B3F0E95BDD01}"/>
               </a:ext>
             </a:extLst>
           </p:cNvPr>
@@ -252,7 +252,7 @@
           <a:bodyPr/>
           <a:lstStyle/>
           <a:p>
-            <a:fld id="{498C5F30-7572-4A51-BB52-0085B7BBF78D}" type="datetimeFigureOut">
+            <a:fld id="{DA1F0E10-5C1C-447A-977B-E92D53B9E597}" type="datetimeFigureOut">
               <a:rPr lang="zh-CN" altLang="en-US" smtClean="0"/>
               <a:t>2024/3/10</a:t>
             </a:fld>
@@ -265,7 +265,7 @@
           <p:cNvPr id="5" name="页脚占位符 4">
             <a:extLst>
               <a:ext uri="{FF2B5EF4-FFF2-40B4-BE49-F238E27FC236}">
-                <a16:creationId xmlns:a16="http://schemas.microsoft.com/office/drawing/2014/main" id="{1A655B3C-E59C-E8BE-8E3C-D51C92B9C8E4}"/>
+                <a16:creationId xmlns:a16="http://schemas.microsoft.com/office/drawing/2014/main" id="{021914F6-2FF3-28D3-7D38-DBF995FA65CB}"/>
               </a:ext>
             </a:extLst>
           </p:cNvPr>
@@ -290,7 +290,7 @@
           <p:cNvPr id="6" name="灯片编号占位符 5">
             <a:extLst>
               <a:ext uri="{FF2B5EF4-FFF2-40B4-BE49-F238E27FC236}">
-                <a16:creationId xmlns:a16="http://schemas.microsoft.com/office/drawing/2014/main" id="{07672AAC-CF12-CE49-14C9-49E1511143B3}"/>
+                <a16:creationId xmlns:a16="http://schemas.microsoft.com/office/drawing/2014/main" id="{7C21B541-0E47-1AFC-E050-94DF694B997F}"/>
               </a:ext>
             </a:extLst>
           </p:cNvPr>
@@ -306,7 +306,7 @@
           <a:bodyPr/>
           <a:lstStyle/>
           <a:p>
-            <a:fld id="{1E1C8381-D522-42E7-AE61-1E13DA2B58CE}" type="slidenum">
+            <a:fld id="{0B5B6144-EBBD-44D1-A098-2361D1321670}" type="slidenum">
               <a:rPr lang="zh-CN" altLang="en-US" smtClean="0"/>
               <a:t>‹#›</a:t>
             </a:fld>
@@ -317,7 +317,7 @@
     </p:spTree>
     <p:extLst>
       <p:ext uri="{BB962C8B-B14F-4D97-AF65-F5344CB8AC3E}">
-        <p14:creationId xmlns:p14="http://schemas.microsoft.com/office/powerpoint/2010/main" val="286936662"/>
+        <p14:creationId xmlns:p14="http://schemas.microsoft.com/office/powerpoint/2010/main" val="3718327573"/>
       </p:ext>
     </p:extLst>
   </p:cSld>
@@ -349,7 +349,7 @@
           <p:cNvPr id="2" name="标题 1">
             <a:extLst>
               <a:ext uri="{FF2B5EF4-FFF2-40B4-BE49-F238E27FC236}">
-                <a16:creationId xmlns:a16="http://schemas.microsoft.com/office/drawing/2014/main" id="{0C9D2B37-AFE7-A547-35EF-5D08D9E43A9C}"/>
+                <a16:creationId xmlns:a16="http://schemas.microsoft.com/office/drawing/2014/main" id="{D6A5C311-0EEC-FE5E-84EA-D062D7317E41}"/>
               </a:ext>
             </a:extLst>
           </p:cNvPr>
@@ -377,7 +377,7 @@
           <p:cNvPr id="3" name="竖排文字占位符 2">
             <a:extLst>
               <a:ext uri="{FF2B5EF4-FFF2-40B4-BE49-F238E27FC236}">
-                <a16:creationId xmlns:a16="http://schemas.microsoft.com/office/drawing/2014/main" id="{96C9638A-230A-0558-00BA-321FC9C6B28D}"/>
+                <a16:creationId xmlns:a16="http://schemas.microsoft.com/office/drawing/2014/main" id="{D2BB2D7D-E505-0A43-E3B8-3D0428BC2CC4}"/>
               </a:ext>
             </a:extLst>
           </p:cNvPr>
@@ -434,7 +434,7 @@
           <p:cNvPr id="4" name="日期占位符 3">
             <a:extLst>
               <a:ext uri="{FF2B5EF4-FFF2-40B4-BE49-F238E27FC236}">
-                <a16:creationId xmlns:a16="http://schemas.microsoft.com/office/drawing/2014/main" id="{88566B33-71C2-2549-600B-2A69805C8A63}"/>
+                <a16:creationId xmlns:a16="http://schemas.microsoft.com/office/drawing/2014/main" id="{D6122459-87EB-9772-F923-D4CD2A3ACC0B}"/>
               </a:ext>
             </a:extLst>
           </p:cNvPr>
@@ -450,7 +450,7 @@
           <a:bodyPr/>
           <a:lstStyle/>
           <a:p>
-            <a:fld id="{498C5F30-7572-4A51-BB52-0085B7BBF78D}" type="datetimeFigureOut">
+            <a:fld id="{DA1F0E10-5C1C-447A-977B-E92D53B9E597}" type="datetimeFigureOut">
               <a:rPr lang="zh-CN" altLang="en-US" smtClean="0"/>
               <a:t>2024/3/10</a:t>
             </a:fld>
@@ -463,7 +463,7 @@
           <p:cNvPr id="5" name="页脚占位符 4">
             <a:extLst>
               <a:ext uri="{FF2B5EF4-FFF2-40B4-BE49-F238E27FC236}">
-                <a16:creationId xmlns:a16="http://schemas.microsoft.com/office/drawing/2014/main" id="{DB5EB3E1-5F3A-2FDA-33DB-DF969DF0FF4D}"/>
+                <a16:creationId xmlns:a16="http://schemas.microsoft.com/office/drawing/2014/main" id="{CE4BAAAD-326D-FB6E-525B-D8DEB6ECB241}"/>
               </a:ext>
             </a:extLst>
           </p:cNvPr>
@@ -488,7 +488,7 @@
           <p:cNvPr id="6" name="灯片编号占位符 5">
             <a:extLst>
               <a:ext uri="{FF2B5EF4-FFF2-40B4-BE49-F238E27FC236}">
-                <a16:creationId xmlns:a16="http://schemas.microsoft.com/office/drawing/2014/main" id="{878C5493-9EB6-0FB1-8D52-2B42BFE3792D}"/>
+                <a16:creationId xmlns:a16="http://schemas.microsoft.com/office/drawing/2014/main" id="{E0335AEF-6738-2412-E65C-3CC4142750E6}"/>
               </a:ext>
             </a:extLst>
           </p:cNvPr>
@@ -504,7 +504,7 @@
           <a:bodyPr/>
           <a:lstStyle/>
           <a:p>
-            <a:fld id="{1E1C8381-D522-42E7-AE61-1E13DA2B58CE}" type="slidenum">
+            <a:fld id="{0B5B6144-EBBD-44D1-A098-2361D1321670}" type="slidenum">
               <a:rPr lang="zh-CN" altLang="en-US" smtClean="0"/>
               <a:t>‹#›</a:t>
             </a:fld>
@@ -515,7 +515,7 @@
     </p:spTree>
     <p:extLst>
       <p:ext uri="{BB962C8B-B14F-4D97-AF65-F5344CB8AC3E}">
-        <p14:creationId xmlns:p14="http://schemas.microsoft.com/office/powerpoint/2010/main" val="2482794352"/>
+        <p14:creationId xmlns:p14="http://schemas.microsoft.com/office/powerpoint/2010/main" val="841787965"/>
       </p:ext>
     </p:extLst>
   </p:cSld>
@@ -547,7 +547,7 @@
           <p:cNvPr id="2" name="竖排标题 1">
             <a:extLst>
               <a:ext uri="{FF2B5EF4-FFF2-40B4-BE49-F238E27FC236}">
-                <a16:creationId xmlns:a16="http://schemas.microsoft.com/office/drawing/2014/main" id="{6380CE06-1183-5F37-00BF-4EB164E1DEDD}"/>
+                <a16:creationId xmlns:a16="http://schemas.microsoft.com/office/drawing/2014/main" id="{8B8E388B-D719-B4B3-B0FD-15672CE1CE0B}"/>
               </a:ext>
             </a:extLst>
           </p:cNvPr>
@@ -580,7 +580,7 @@
           <p:cNvPr id="3" name="竖排文字占位符 2">
             <a:extLst>
               <a:ext uri="{FF2B5EF4-FFF2-40B4-BE49-F238E27FC236}">
-                <a16:creationId xmlns:a16="http://schemas.microsoft.com/office/drawing/2014/main" id="{F41151B8-A3A7-1F1C-96A4-C3FC91DE3808}"/>
+                <a16:creationId xmlns:a16="http://schemas.microsoft.com/office/drawing/2014/main" id="{26524CB9-FD2A-3767-AC52-1A17D9CE2D41}"/>
               </a:ext>
             </a:extLst>
           </p:cNvPr>
@@ -642,7 +642,7 @@
           <p:cNvPr id="4" name="日期占位符 3">
             <a:extLst>
               <a:ext uri="{FF2B5EF4-FFF2-40B4-BE49-F238E27FC236}">
-                <a16:creationId xmlns:a16="http://schemas.microsoft.com/office/drawing/2014/main" id="{1F6784ED-B2EA-9F2F-83CB-ECA00C75B6B1}"/>
+                <a16:creationId xmlns:a16="http://schemas.microsoft.com/office/drawing/2014/main" id="{D12897B9-7255-DDAE-28BE-7F3CDF7E4D32}"/>
               </a:ext>
             </a:extLst>
           </p:cNvPr>
@@ -658,7 +658,7 @@
           <a:bodyPr/>
           <a:lstStyle/>
           <a:p>
-            <a:fld id="{498C5F30-7572-4A51-BB52-0085B7BBF78D}" type="datetimeFigureOut">
+            <a:fld id="{DA1F0E10-5C1C-447A-977B-E92D53B9E597}" type="datetimeFigureOut">
               <a:rPr lang="zh-CN" altLang="en-US" smtClean="0"/>
               <a:t>2024/3/10</a:t>
             </a:fld>
@@ -671,7 +671,7 @@
           <p:cNvPr id="5" name="页脚占位符 4">
             <a:extLst>
               <a:ext uri="{FF2B5EF4-FFF2-40B4-BE49-F238E27FC236}">
-                <a16:creationId xmlns:a16="http://schemas.microsoft.com/office/drawing/2014/main" id="{BE80EDA1-4BEF-B771-82AE-1F45F09526E4}"/>
+                <a16:creationId xmlns:a16="http://schemas.microsoft.com/office/drawing/2014/main" id="{9633D6AE-A14B-6590-5EFC-AD28158C957F}"/>
               </a:ext>
             </a:extLst>
           </p:cNvPr>
@@ -696,7 +696,7 @@
           <p:cNvPr id="6" name="灯片编号占位符 5">
             <a:extLst>
               <a:ext uri="{FF2B5EF4-FFF2-40B4-BE49-F238E27FC236}">
-                <a16:creationId xmlns:a16="http://schemas.microsoft.com/office/drawing/2014/main" id="{09D0E119-9E2A-8228-F36C-771D14F2E1EF}"/>
+                <a16:creationId xmlns:a16="http://schemas.microsoft.com/office/drawing/2014/main" id="{D219C66B-19ED-112E-81FA-7EA4B11DE742}"/>
               </a:ext>
             </a:extLst>
           </p:cNvPr>
@@ -712,7 +712,7 @@
           <a:bodyPr/>
           <a:lstStyle/>
           <a:p>
-            <a:fld id="{1E1C8381-D522-42E7-AE61-1E13DA2B58CE}" type="slidenum">
+            <a:fld id="{0B5B6144-EBBD-44D1-A098-2361D1321670}" type="slidenum">
               <a:rPr lang="zh-CN" altLang="en-US" smtClean="0"/>
               <a:t>‹#›</a:t>
             </a:fld>
@@ -723,7 +723,7 @@
     </p:spTree>
     <p:extLst>
       <p:ext uri="{BB962C8B-B14F-4D97-AF65-F5344CB8AC3E}">
-        <p14:creationId xmlns:p14="http://schemas.microsoft.com/office/powerpoint/2010/main" val="1350297254"/>
+        <p14:creationId xmlns:p14="http://schemas.microsoft.com/office/powerpoint/2010/main" val="3024556023"/>
       </p:ext>
     </p:extLst>
   </p:cSld>
@@ -755,7 +755,7 @@
           <p:cNvPr id="2" name="标题 1">
             <a:extLst>
               <a:ext uri="{FF2B5EF4-FFF2-40B4-BE49-F238E27FC236}">
-                <a16:creationId xmlns:a16="http://schemas.microsoft.com/office/drawing/2014/main" id="{E12056E5-BD2D-9354-A56B-14F92E93BF31}"/>
+                <a16:creationId xmlns:a16="http://schemas.microsoft.com/office/drawing/2014/main" id="{94581948-7730-6563-BFCC-6D228CE30725}"/>
               </a:ext>
             </a:extLst>
           </p:cNvPr>
@@ -783,7 +783,7 @@
           <p:cNvPr id="3" name="内容占位符 2">
             <a:extLst>
               <a:ext uri="{FF2B5EF4-FFF2-40B4-BE49-F238E27FC236}">
-                <a16:creationId xmlns:a16="http://schemas.microsoft.com/office/drawing/2014/main" id="{B68C2349-B5CD-726C-35AF-66C4841AABC2}"/>
+                <a16:creationId xmlns:a16="http://schemas.microsoft.com/office/drawing/2014/main" id="{D639C3CE-29A0-B2EA-B0B8-626F532256B5}"/>
               </a:ext>
             </a:extLst>
           </p:cNvPr>
@@ -840,7 +840,7 @@
           <p:cNvPr id="4" name="日期占位符 3">
             <a:extLst>
               <a:ext uri="{FF2B5EF4-FFF2-40B4-BE49-F238E27FC236}">
-                <a16:creationId xmlns:a16="http://schemas.microsoft.com/office/drawing/2014/main" id="{EFF315C2-C9D6-4E29-89C6-C0D72BA9BB53}"/>
+                <a16:creationId xmlns:a16="http://schemas.microsoft.com/office/drawing/2014/main" id="{88E4326C-8113-5A81-D8AA-24998B13BB0F}"/>
               </a:ext>
             </a:extLst>
           </p:cNvPr>
@@ -856,7 +856,7 @@
           <a:bodyPr/>
           <a:lstStyle/>
           <a:p>
-            <a:fld id="{498C5F30-7572-4A51-BB52-0085B7BBF78D}" type="datetimeFigureOut">
+            <a:fld id="{DA1F0E10-5C1C-447A-977B-E92D53B9E597}" type="datetimeFigureOut">
               <a:rPr lang="zh-CN" altLang="en-US" smtClean="0"/>
               <a:t>2024/3/10</a:t>
             </a:fld>
@@ -869,7 +869,7 @@
           <p:cNvPr id="5" name="页脚占位符 4">
             <a:extLst>
               <a:ext uri="{FF2B5EF4-FFF2-40B4-BE49-F238E27FC236}">
-                <a16:creationId xmlns:a16="http://schemas.microsoft.com/office/drawing/2014/main" id="{DDB89122-4B76-E40B-F331-007CDB339643}"/>
+                <a16:creationId xmlns:a16="http://schemas.microsoft.com/office/drawing/2014/main" id="{3E8A0C37-2F73-AFDD-66EF-32A82D7DCA03}"/>
               </a:ext>
             </a:extLst>
           </p:cNvPr>
@@ -894,7 +894,7 @@
           <p:cNvPr id="6" name="灯片编号占位符 5">
             <a:extLst>
               <a:ext uri="{FF2B5EF4-FFF2-40B4-BE49-F238E27FC236}">
-                <a16:creationId xmlns:a16="http://schemas.microsoft.com/office/drawing/2014/main" id="{60E57550-CC3D-0EB9-BFAA-67AF5FA1B3AE}"/>
+                <a16:creationId xmlns:a16="http://schemas.microsoft.com/office/drawing/2014/main" id="{1B552E9D-90C6-BB0D-AB0D-19A2EF78D2F2}"/>
               </a:ext>
             </a:extLst>
           </p:cNvPr>
@@ -910,7 +910,7 @@
           <a:bodyPr/>
           <a:lstStyle/>
           <a:p>
-            <a:fld id="{1E1C8381-D522-42E7-AE61-1E13DA2B58CE}" type="slidenum">
+            <a:fld id="{0B5B6144-EBBD-44D1-A098-2361D1321670}" type="slidenum">
               <a:rPr lang="zh-CN" altLang="en-US" smtClean="0"/>
               <a:t>‹#›</a:t>
             </a:fld>
@@ -921,7 +921,7 @@
     </p:spTree>
     <p:extLst>
       <p:ext uri="{BB962C8B-B14F-4D97-AF65-F5344CB8AC3E}">
-        <p14:creationId xmlns:p14="http://schemas.microsoft.com/office/powerpoint/2010/main" val="3227914402"/>
+        <p14:creationId xmlns:p14="http://schemas.microsoft.com/office/powerpoint/2010/main" val="1476569690"/>
       </p:ext>
     </p:extLst>
   </p:cSld>
@@ -953,7 +953,7 @@
           <p:cNvPr id="2" name="标题 1">
             <a:extLst>
               <a:ext uri="{FF2B5EF4-FFF2-40B4-BE49-F238E27FC236}">
-                <a16:creationId xmlns:a16="http://schemas.microsoft.com/office/drawing/2014/main" id="{4CE06B48-28BC-B99B-332E-81E71544F184}"/>
+                <a16:creationId xmlns:a16="http://schemas.microsoft.com/office/drawing/2014/main" id="{D128D224-4CE3-0B10-19A3-64794CAFC6CE}"/>
               </a:ext>
             </a:extLst>
           </p:cNvPr>
@@ -990,7 +990,7 @@
           <p:cNvPr id="3" name="文本占位符 2">
             <a:extLst>
               <a:ext uri="{FF2B5EF4-FFF2-40B4-BE49-F238E27FC236}">
-                <a16:creationId xmlns:a16="http://schemas.microsoft.com/office/drawing/2014/main" id="{EB60A3E8-51B5-511F-B170-1C260679E63C}"/>
+                <a16:creationId xmlns:a16="http://schemas.microsoft.com/office/drawing/2014/main" id="{9217A2D7-662A-2F0A-FDD3-D0A1AEAEEF9B}"/>
               </a:ext>
             </a:extLst>
           </p:cNvPr>
@@ -1115,7 +1115,7 @@
           <p:cNvPr id="4" name="日期占位符 3">
             <a:extLst>
               <a:ext uri="{FF2B5EF4-FFF2-40B4-BE49-F238E27FC236}">
-                <a16:creationId xmlns:a16="http://schemas.microsoft.com/office/drawing/2014/main" id="{3701DD64-8306-F5C6-C099-649F90563B45}"/>
+                <a16:creationId xmlns:a16="http://schemas.microsoft.com/office/drawing/2014/main" id="{AF9A8FBB-2C04-3B0E-64D9-8860E0159164}"/>
               </a:ext>
             </a:extLst>
           </p:cNvPr>
@@ -1131,7 +1131,7 @@
           <a:bodyPr/>
           <a:lstStyle/>
           <a:p>
-            <a:fld id="{498C5F30-7572-4A51-BB52-0085B7BBF78D}" type="datetimeFigureOut">
+            <a:fld id="{DA1F0E10-5C1C-447A-977B-E92D53B9E597}" type="datetimeFigureOut">
               <a:rPr lang="zh-CN" altLang="en-US" smtClean="0"/>
               <a:t>2024/3/10</a:t>
             </a:fld>
@@ -1144,7 +1144,7 @@
           <p:cNvPr id="5" name="页脚占位符 4">
             <a:extLst>
               <a:ext uri="{FF2B5EF4-FFF2-40B4-BE49-F238E27FC236}">
-                <a16:creationId xmlns:a16="http://schemas.microsoft.com/office/drawing/2014/main" id="{073309E5-D8EC-0A5E-E64D-04431187BBCA}"/>
+                <a16:creationId xmlns:a16="http://schemas.microsoft.com/office/drawing/2014/main" id="{6B5E8AEE-140E-01FE-1BF8-607ECFEFB430}"/>
               </a:ext>
             </a:extLst>
           </p:cNvPr>
@@ -1169,7 +1169,7 @@
           <p:cNvPr id="6" name="灯片编号占位符 5">
             <a:extLst>
               <a:ext uri="{FF2B5EF4-FFF2-40B4-BE49-F238E27FC236}">
-                <a16:creationId xmlns:a16="http://schemas.microsoft.com/office/drawing/2014/main" id="{23134363-3FC8-5365-919A-71AF2BF79D63}"/>
+                <a16:creationId xmlns:a16="http://schemas.microsoft.com/office/drawing/2014/main" id="{746603F0-E401-CAAD-6D6E-78F460D40236}"/>
               </a:ext>
             </a:extLst>
           </p:cNvPr>
@@ -1185,7 +1185,7 @@
           <a:bodyPr/>
           <a:lstStyle/>
           <a:p>
-            <a:fld id="{1E1C8381-D522-42E7-AE61-1E13DA2B58CE}" type="slidenum">
+            <a:fld id="{0B5B6144-EBBD-44D1-A098-2361D1321670}" type="slidenum">
               <a:rPr lang="zh-CN" altLang="en-US" smtClean="0"/>
               <a:t>‹#›</a:t>
             </a:fld>
@@ -1196,7 +1196,7 @@
     </p:spTree>
     <p:extLst>
       <p:ext uri="{BB962C8B-B14F-4D97-AF65-F5344CB8AC3E}">
-        <p14:creationId xmlns:p14="http://schemas.microsoft.com/office/powerpoint/2010/main" val="3592687565"/>
+        <p14:creationId xmlns:p14="http://schemas.microsoft.com/office/powerpoint/2010/main" val="2553254629"/>
       </p:ext>
     </p:extLst>
   </p:cSld>
@@ -1228,7 +1228,7 @@
           <p:cNvPr id="2" name="标题 1">
             <a:extLst>
               <a:ext uri="{FF2B5EF4-FFF2-40B4-BE49-F238E27FC236}">
-                <a16:creationId xmlns:a16="http://schemas.microsoft.com/office/drawing/2014/main" id="{B44EC15C-CBA7-44EC-937D-CDF35BA0EABF}"/>
+                <a16:creationId xmlns:a16="http://schemas.microsoft.com/office/drawing/2014/main" id="{24F47683-EF29-E417-6EF5-D4EB44D681E2}"/>
               </a:ext>
             </a:extLst>
           </p:cNvPr>
@@ -1256,7 +1256,7 @@
           <p:cNvPr id="3" name="内容占位符 2">
             <a:extLst>
               <a:ext uri="{FF2B5EF4-FFF2-40B4-BE49-F238E27FC236}">
-                <a16:creationId xmlns:a16="http://schemas.microsoft.com/office/drawing/2014/main" id="{80D8BDAF-C4C0-575C-30EC-6712990E89FD}"/>
+                <a16:creationId xmlns:a16="http://schemas.microsoft.com/office/drawing/2014/main" id="{B112337D-F1B2-AD8C-3CD9-71675C935C58}"/>
               </a:ext>
             </a:extLst>
           </p:cNvPr>
@@ -1318,7 +1318,7 @@
           <p:cNvPr id="4" name="内容占位符 3">
             <a:extLst>
               <a:ext uri="{FF2B5EF4-FFF2-40B4-BE49-F238E27FC236}">
-                <a16:creationId xmlns:a16="http://schemas.microsoft.com/office/drawing/2014/main" id="{E9868FDE-3F11-47E1-B543-15DB4BBB5586}"/>
+                <a16:creationId xmlns:a16="http://schemas.microsoft.com/office/drawing/2014/main" id="{B8007CD8-3002-C8EB-3C40-CDEF132EF22D}"/>
               </a:ext>
             </a:extLst>
           </p:cNvPr>
@@ -1380,7 +1380,7 @@
           <p:cNvPr id="5" name="日期占位符 4">
             <a:extLst>
               <a:ext uri="{FF2B5EF4-FFF2-40B4-BE49-F238E27FC236}">
-                <a16:creationId xmlns:a16="http://schemas.microsoft.com/office/drawing/2014/main" id="{0D156EB5-B454-2664-7F24-D4EB3AC70B1A}"/>
+                <a16:creationId xmlns:a16="http://schemas.microsoft.com/office/drawing/2014/main" id="{1E39840A-9859-3935-8884-6FB252E1A4A6}"/>
               </a:ext>
             </a:extLst>
           </p:cNvPr>
@@ -1396,7 +1396,7 @@
           <a:bodyPr/>
           <a:lstStyle/>
           <a:p>
-            <a:fld id="{498C5F30-7572-4A51-BB52-0085B7BBF78D}" type="datetimeFigureOut">
+            <a:fld id="{DA1F0E10-5C1C-447A-977B-E92D53B9E597}" type="datetimeFigureOut">
               <a:rPr lang="zh-CN" altLang="en-US" smtClean="0"/>
               <a:t>2024/3/10</a:t>
             </a:fld>
@@ -1409,7 +1409,7 @@
           <p:cNvPr id="6" name="页脚占位符 5">
             <a:extLst>
               <a:ext uri="{FF2B5EF4-FFF2-40B4-BE49-F238E27FC236}">
-                <a16:creationId xmlns:a16="http://schemas.microsoft.com/office/drawing/2014/main" id="{B15A4365-0C7A-E949-4FB1-711405148482}"/>
+                <a16:creationId xmlns:a16="http://schemas.microsoft.com/office/drawing/2014/main" id="{3B924739-B615-3C4C-709E-A7789C3FD5C2}"/>
               </a:ext>
             </a:extLst>
           </p:cNvPr>
@@ -1434,7 +1434,7 @@
           <p:cNvPr id="7" name="灯片编号占位符 6">
             <a:extLst>
               <a:ext uri="{FF2B5EF4-FFF2-40B4-BE49-F238E27FC236}">
-                <a16:creationId xmlns:a16="http://schemas.microsoft.com/office/drawing/2014/main" id="{8BB6FC06-8C2D-2FFA-F718-3D100982447A}"/>
+                <a16:creationId xmlns:a16="http://schemas.microsoft.com/office/drawing/2014/main" id="{9973650A-79D7-FCF9-8D53-AD0104A15E68}"/>
               </a:ext>
             </a:extLst>
           </p:cNvPr>
@@ -1450,7 +1450,7 @@
           <a:bodyPr/>
           <a:lstStyle/>
           <a:p>
-            <a:fld id="{1E1C8381-D522-42E7-AE61-1E13DA2B58CE}" type="slidenum">
+            <a:fld id="{0B5B6144-EBBD-44D1-A098-2361D1321670}" type="slidenum">
               <a:rPr lang="zh-CN" altLang="en-US" smtClean="0"/>
               <a:t>‹#›</a:t>
             </a:fld>
@@ -1461,7 +1461,7 @@
     </p:spTree>
     <p:extLst>
       <p:ext uri="{BB962C8B-B14F-4D97-AF65-F5344CB8AC3E}">
-        <p14:creationId xmlns:p14="http://schemas.microsoft.com/office/powerpoint/2010/main" val="1472795277"/>
+        <p14:creationId xmlns:p14="http://schemas.microsoft.com/office/powerpoint/2010/main" val="2135271189"/>
       </p:ext>
     </p:extLst>
   </p:cSld>
@@ -1493,7 +1493,7 @@
           <p:cNvPr id="2" name="标题 1">
             <a:extLst>
               <a:ext uri="{FF2B5EF4-FFF2-40B4-BE49-F238E27FC236}">
-                <a16:creationId xmlns:a16="http://schemas.microsoft.com/office/drawing/2014/main" id="{88561DDE-E18C-23DC-DEA2-67AE8D934A31}"/>
+                <a16:creationId xmlns:a16="http://schemas.microsoft.com/office/drawing/2014/main" id="{87C428F3-16D0-2EBE-1BE9-A19A164FFEAD}"/>
               </a:ext>
             </a:extLst>
           </p:cNvPr>
@@ -1526,7 +1526,7 @@
           <p:cNvPr id="3" name="文本占位符 2">
             <a:extLst>
               <a:ext uri="{FF2B5EF4-FFF2-40B4-BE49-F238E27FC236}">
-                <a16:creationId xmlns:a16="http://schemas.microsoft.com/office/drawing/2014/main" id="{0533B964-FB10-168B-2941-F6A3B34F93C6}"/>
+                <a16:creationId xmlns:a16="http://schemas.microsoft.com/office/drawing/2014/main" id="{657990F3-38B3-9EA4-53EE-D60E2CB61EA6}"/>
               </a:ext>
             </a:extLst>
           </p:cNvPr>
@@ -1597,7 +1597,7 @@
           <p:cNvPr id="4" name="内容占位符 3">
             <a:extLst>
               <a:ext uri="{FF2B5EF4-FFF2-40B4-BE49-F238E27FC236}">
-                <a16:creationId xmlns:a16="http://schemas.microsoft.com/office/drawing/2014/main" id="{06B360C9-3CD7-0EBC-7D94-556F7795EBB9}"/>
+                <a16:creationId xmlns:a16="http://schemas.microsoft.com/office/drawing/2014/main" id="{B1C6B591-6CAF-3CC5-9908-0B16E1918971}"/>
               </a:ext>
             </a:extLst>
           </p:cNvPr>
@@ -1659,7 +1659,7 @@
           <p:cNvPr id="5" name="文本占位符 4">
             <a:extLst>
               <a:ext uri="{FF2B5EF4-FFF2-40B4-BE49-F238E27FC236}">
-                <a16:creationId xmlns:a16="http://schemas.microsoft.com/office/drawing/2014/main" id="{51770F47-585F-57B0-9996-68C909CEA153}"/>
+                <a16:creationId xmlns:a16="http://schemas.microsoft.com/office/drawing/2014/main" id="{6AE30E8F-6672-044A-6AFF-197F659BBD9E}"/>
               </a:ext>
             </a:extLst>
           </p:cNvPr>
@@ -1730,7 +1730,7 @@
           <p:cNvPr id="6" name="内容占位符 5">
             <a:extLst>
               <a:ext uri="{FF2B5EF4-FFF2-40B4-BE49-F238E27FC236}">
-                <a16:creationId xmlns:a16="http://schemas.microsoft.com/office/drawing/2014/main" id="{234B7FC8-083C-C3CD-EF93-62D7D0F04383}"/>
+                <a16:creationId xmlns:a16="http://schemas.microsoft.com/office/drawing/2014/main" id="{8A7FAC72-DB4A-4CED-81F8-A239DFCF33A2}"/>
               </a:ext>
             </a:extLst>
           </p:cNvPr>
@@ -1792,7 +1792,7 @@
           <p:cNvPr id="7" name="日期占位符 6">
             <a:extLst>
               <a:ext uri="{FF2B5EF4-FFF2-40B4-BE49-F238E27FC236}">
-                <a16:creationId xmlns:a16="http://schemas.microsoft.com/office/drawing/2014/main" id="{E0FA2210-A496-C332-B40E-0A243AF7B9A7}"/>
+                <a16:creationId xmlns:a16="http://schemas.microsoft.com/office/drawing/2014/main" id="{D96A20E8-7B75-8E44-C655-64BEA9C07804}"/>
               </a:ext>
             </a:extLst>
           </p:cNvPr>
@@ -1808,7 +1808,7 @@
           <a:bodyPr/>
           <a:lstStyle/>
           <a:p>
-            <a:fld id="{498C5F30-7572-4A51-BB52-0085B7BBF78D}" type="datetimeFigureOut">
+            <a:fld id="{DA1F0E10-5C1C-447A-977B-E92D53B9E597}" type="datetimeFigureOut">
               <a:rPr lang="zh-CN" altLang="en-US" smtClean="0"/>
               <a:t>2024/3/10</a:t>
             </a:fld>
@@ -1821,7 +1821,7 @@
           <p:cNvPr id="8" name="页脚占位符 7">
             <a:extLst>
               <a:ext uri="{FF2B5EF4-FFF2-40B4-BE49-F238E27FC236}">
-                <a16:creationId xmlns:a16="http://schemas.microsoft.com/office/drawing/2014/main" id="{AF34ECC7-7E44-E710-2180-1125DAC47359}"/>
+                <a16:creationId xmlns:a16="http://schemas.microsoft.com/office/drawing/2014/main" id="{F6802B6E-0ADC-0309-1397-754BDEE4A598}"/>
               </a:ext>
             </a:extLst>
           </p:cNvPr>
@@ -1846,7 +1846,7 @@
           <p:cNvPr id="9" name="灯片编号占位符 8">
             <a:extLst>
               <a:ext uri="{FF2B5EF4-FFF2-40B4-BE49-F238E27FC236}">
-                <a16:creationId xmlns:a16="http://schemas.microsoft.com/office/drawing/2014/main" id="{486B2CA5-0ABD-4D7E-B27E-58090989EE7C}"/>
+                <a16:creationId xmlns:a16="http://schemas.microsoft.com/office/drawing/2014/main" id="{A13490F3-FEF5-8CD2-8FBD-ACA361DC6E2A}"/>
               </a:ext>
             </a:extLst>
           </p:cNvPr>
@@ -1862,7 +1862,7 @@
           <a:bodyPr/>
           <a:lstStyle/>
           <a:p>
-            <a:fld id="{1E1C8381-D522-42E7-AE61-1E13DA2B58CE}" type="slidenum">
+            <a:fld id="{0B5B6144-EBBD-44D1-A098-2361D1321670}" type="slidenum">
               <a:rPr lang="zh-CN" altLang="en-US" smtClean="0"/>
               <a:t>‹#›</a:t>
             </a:fld>
@@ -1873,7 +1873,7 @@
     </p:spTree>
     <p:extLst>
       <p:ext uri="{BB962C8B-B14F-4D97-AF65-F5344CB8AC3E}">
-        <p14:creationId xmlns:p14="http://schemas.microsoft.com/office/powerpoint/2010/main" val="406915388"/>
+        <p14:creationId xmlns:p14="http://schemas.microsoft.com/office/powerpoint/2010/main" val="851391974"/>
       </p:ext>
     </p:extLst>
   </p:cSld>
@@ -1905,7 +1905,7 @@
           <p:cNvPr id="2" name="标题 1">
             <a:extLst>
               <a:ext uri="{FF2B5EF4-FFF2-40B4-BE49-F238E27FC236}">
-                <a16:creationId xmlns:a16="http://schemas.microsoft.com/office/drawing/2014/main" id="{42754B46-F9BA-AAC3-F87C-3FDA36F17AF4}"/>
+                <a16:creationId xmlns:a16="http://schemas.microsoft.com/office/drawing/2014/main" id="{4125C660-2B77-A17C-340F-D381657A6D93}"/>
               </a:ext>
             </a:extLst>
           </p:cNvPr>
@@ -1933,7 +1933,7 @@
           <p:cNvPr id="3" name="日期占位符 2">
             <a:extLst>
               <a:ext uri="{FF2B5EF4-FFF2-40B4-BE49-F238E27FC236}">
-                <a16:creationId xmlns:a16="http://schemas.microsoft.com/office/drawing/2014/main" id="{055D0AF5-E064-4AEA-9A53-F18472E4715F}"/>
+                <a16:creationId xmlns:a16="http://schemas.microsoft.com/office/drawing/2014/main" id="{17D71DF3-2E73-4CA4-8A08-3CDF680ED4C9}"/>
               </a:ext>
             </a:extLst>
           </p:cNvPr>
@@ -1949,7 +1949,7 @@
           <a:bodyPr/>
           <a:lstStyle/>
           <a:p>
-            <a:fld id="{498C5F30-7572-4A51-BB52-0085B7BBF78D}" type="datetimeFigureOut">
+            <a:fld id="{DA1F0E10-5C1C-447A-977B-E92D53B9E597}" type="datetimeFigureOut">
               <a:rPr lang="zh-CN" altLang="en-US" smtClean="0"/>
               <a:t>2024/3/10</a:t>
             </a:fld>
@@ -1962,7 +1962,7 @@
           <p:cNvPr id="4" name="页脚占位符 3">
             <a:extLst>
               <a:ext uri="{FF2B5EF4-FFF2-40B4-BE49-F238E27FC236}">
-                <a16:creationId xmlns:a16="http://schemas.microsoft.com/office/drawing/2014/main" id="{71738AA5-446B-17E2-4163-EBCE84C48795}"/>
+                <a16:creationId xmlns:a16="http://schemas.microsoft.com/office/drawing/2014/main" id="{CB77B4D2-B6DF-70FA-9146-781AA5DFFEBE}"/>
               </a:ext>
             </a:extLst>
           </p:cNvPr>
@@ -1987,7 +1987,7 @@
           <p:cNvPr id="5" name="灯片编号占位符 4">
             <a:extLst>
               <a:ext uri="{FF2B5EF4-FFF2-40B4-BE49-F238E27FC236}">
-                <a16:creationId xmlns:a16="http://schemas.microsoft.com/office/drawing/2014/main" id="{FBD9F566-056D-E8BB-1004-A23040B01F11}"/>
+                <a16:creationId xmlns:a16="http://schemas.microsoft.com/office/drawing/2014/main" id="{826806FE-AF63-A65B-565F-2E0F3FA86263}"/>
               </a:ext>
             </a:extLst>
           </p:cNvPr>
@@ -2003,7 +2003,7 @@
           <a:bodyPr/>
           <a:lstStyle/>
           <a:p>
-            <a:fld id="{1E1C8381-D522-42E7-AE61-1E13DA2B58CE}" type="slidenum">
+            <a:fld id="{0B5B6144-EBBD-44D1-A098-2361D1321670}" type="slidenum">
               <a:rPr lang="zh-CN" altLang="en-US" smtClean="0"/>
               <a:t>‹#›</a:t>
             </a:fld>
@@ -2014,7 +2014,7 @@
     </p:spTree>
     <p:extLst>
       <p:ext uri="{BB962C8B-B14F-4D97-AF65-F5344CB8AC3E}">
-        <p14:creationId xmlns:p14="http://schemas.microsoft.com/office/powerpoint/2010/main" val="4102158549"/>
+        <p14:creationId xmlns:p14="http://schemas.microsoft.com/office/powerpoint/2010/main" val="1796838765"/>
       </p:ext>
     </p:extLst>
   </p:cSld>
@@ -2046,7 +2046,7 @@
           <p:cNvPr id="2" name="日期占位符 1">
             <a:extLst>
               <a:ext uri="{FF2B5EF4-FFF2-40B4-BE49-F238E27FC236}">
-                <a16:creationId xmlns:a16="http://schemas.microsoft.com/office/drawing/2014/main" id="{F5AC36E2-114E-D475-FCA0-B06AD097E18C}"/>
+                <a16:creationId xmlns:a16="http://schemas.microsoft.com/office/drawing/2014/main" id="{ADCCD1A5-D289-6E72-6842-763AF4FFE04A}"/>
               </a:ext>
             </a:extLst>
           </p:cNvPr>
@@ -2062,7 +2062,7 @@
           <a:bodyPr/>
           <a:lstStyle/>
           <a:p>
-            <a:fld id="{498C5F30-7572-4A51-BB52-0085B7BBF78D}" type="datetimeFigureOut">
+            <a:fld id="{DA1F0E10-5C1C-447A-977B-E92D53B9E597}" type="datetimeFigureOut">
               <a:rPr lang="zh-CN" altLang="en-US" smtClean="0"/>
               <a:t>2024/3/10</a:t>
             </a:fld>
@@ -2075,7 +2075,7 @@
           <p:cNvPr id="3" name="页脚占位符 2">
             <a:extLst>
               <a:ext uri="{FF2B5EF4-FFF2-40B4-BE49-F238E27FC236}">
-                <a16:creationId xmlns:a16="http://schemas.microsoft.com/office/drawing/2014/main" id="{F4FE7A8F-EB03-7A04-B5F6-061DF6AF77FD}"/>
+                <a16:creationId xmlns:a16="http://schemas.microsoft.com/office/drawing/2014/main" id="{DC66A584-C4AC-1A18-49BE-1205EA321828}"/>
               </a:ext>
             </a:extLst>
           </p:cNvPr>
@@ -2100,7 +2100,7 @@
           <p:cNvPr id="4" name="灯片编号占位符 3">
             <a:extLst>
               <a:ext uri="{FF2B5EF4-FFF2-40B4-BE49-F238E27FC236}">
-                <a16:creationId xmlns:a16="http://schemas.microsoft.com/office/drawing/2014/main" id="{5DD71B6E-B67C-DE3D-0927-81438BBD373D}"/>
+                <a16:creationId xmlns:a16="http://schemas.microsoft.com/office/drawing/2014/main" id="{793FF0EE-E1A5-8BF7-9FC5-38EB4258C96E}"/>
               </a:ext>
             </a:extLst>
           </p:cNvPr>
@@ -2116,7 +2116,7 @@
           <a:bodyPr/>
           <a:lstStyle/>
           <a:p>
-            <a:fld id="{1E1C8381-D522-42E7-AE61-1E13DA2B58CE}" type="slidenum">
+            <a:fld id="{0B5B6144-EBBD-44D1-A098-2361D1321670}" type="slidenum">
               <a:rPr lang="zh-CN" altLang="en-US" smtClean="0"/>
               <a:t>‹#›</a:t>
             </a:fld>
@@ -2127,7 +2127,7 @@
     </p:spTree>
     <p:extLst>
       <p:ext uri="{BB962C8B-B14F-4D97-AF65-F5344CB8AC3E}">
-        <p14:creationId xmlns:p14="http://schemas.microsoft.com/office/powerpoint/2010/main" val="1503641069"/>
+        <p14:creationId xmlns:p14="http://schemas.microsoft.com/office/powerpoint/2010/main" val="3581070906"/>
       </p:ext>
     </p:extLst>
   </p:cSld>
@@ -2159,7 +2159,7 @@
           <p:cNvPr id="2" name="标题 1">
             <a:extLst>
               <a:ext uri="{FF2B5EF4-FFF2-40B4-BE49-F238E27FC236}">
-                <a16:creationId xmlns:a16="http://schemas.microsoft.com/office/drawing/2014/main" id="{4193ADFD-9048-687D-4079-FECDEDB32B53}"/>
+                <a16:creationId xmlns:a16="http://schemas.microsoft.com/office/drawing/2014/main" id="{0005D03B-95AC-1499-9907-2965746F2235}"/>
               </a:ext>
             </a:extLst>
           </p:cNvPr>
@@ -2196,7 +2196,7 @@
           <p:cNvPr id="3" name="内容占位符 2">
             <a:extLst>
               <a:ext uri="{FF2B5EF4-FFF2-40B4-BE49-F238E27FC236}">
-                <a16:creationId xmlns:a16="http://schemas.microsoft.com/office/drawing/2014/main" id="{E8B6A670-301B-88D4-F972-8BEA2D23E984}"/>
+                <a16:creationId xmlns:a16="http://schemas.microsoft.com/office/drawing/2014/main" id="{A745F0BD-CEA4-15AF-1B2B-B89E73FE05F2}"/>
               </a:ext>
             </a:extLst>
           </p:cNvPr>
@@ -2286,7 +2286,7 @@
           <p:cNvPr id="4" name="文本占位符 3">
             <a:extLst>
               <a:ext uri="{FF2B5EF4-FFF2-40B4-BE49-F238E27FC236}">
-                <a16:creationId xmlns:a16="http://schemas.microsoft.com/office/drawing/2014/main" id="{97EC1248-B58B-8329-74B6-B583A3F151E4}"/>
+                <a16:creationId xmlns:a16="http://schemas.microsoft.com/office/drawing/2014/main" id="{E16CBEE0-B5F4-E4E6-211D-5C7E420F285D}"/>
               </a:ext>
             </a:extLst>
           </p:cNvPr>
@@ -2357,7 +2357,7 @@
           <p:cNvPr id="5" name="日期占位符 4">
             <a:extLst>
               <a:ext uri="{FF2B5EF4-FFF2-40B4-BE49-F238E27FC236}">
-                <a16:creationId xmlns:a16="http://schemas.microsoft.com/office/drawing/2014/main" id="{BAE3B953-850B-79B8-E6F3-AE029EBE270D}"/>
+                <a16:creationId xmlns:a16="http://schemas.microsoft.com/office/drawing/2014/main" id="{4EB45316-CCF0-1B27-71FB-D14CD6C12643}"/>
               </a:ext>
             </a:extLst>
           </p:cNvPr>
@@ -2373,7 +2373,7 @@
           <a:bodyPr/>
           <a:lstStyle/>
           <a:p>
-            <a:fld id="{498C5F30-7572-4A51-BB52-0085B7BBF78D}" type="datetimeFigureOut">
+            <a:fld id="{DA1F0E10-5C1C-447A-977B-E92D53B9E597}" type="datetimeFigureOut">
               <a:rPr lang="zh-CN" altLang="en-US" smtClean="0"/>
               <a:t>2024/3/10</a:t>
             </a:fld>
@@ -2386,7 +2386,7 @@
           <p:cNvPr id="6" name="页脚占位符 5">
             <a:extLst>
               <a:ext uri="{FF2B5EF4-FFF2-40B4-BE49-F238E27FC236}">
-                <a16:creationId xmlns:a16="http://schemas.microsoft.com/office/drawing/2014/main" id="{7CFB6D8B-63CB-AFA9-6018-A33DF0BD3348}"/>
+                <a16:creationId xmlns:a16="http://schemas.microsoft.com/office/drawing/2014/main" id="{72686BD4-4CCE-2079-955A-FD2CBB1B506D}"/>
               </a:ext>
             </a:extLst>
           </p:cNvPr>
@@ -2411,7 +2411,7 @@
           <p:cNvPr id="7" name="灯片编号占位符 6">
             <a:extLst>
               <a:ext uri="{FF2B5EF4-FFF2-40B4-BE49-F238E27FC236}">
-                <a16:creationId xmlns:a16="http://schemas.microsoft.com/office/drawing/2014/main" id="{D053EEFE-827E-304A-A3B9-2C5F956F9F11}"/>
+                <a16:creationId xmlns:a16="http://schemas.microsoft.com/office/drawing/2014/main" id="{F6CA83F1-B053-3A6F-9B28-335CA36B9B98}"/>
               </a:ext>
             </a:extLst>
           </p:cNvPr>
@@ -2427,7 +2427,7 @@
           <a:bodyPr/>
           <a:lstStyle/>
           <a:p>
-            <a:fld id="{1E1C8381-D522-42E7-AE61-1E13DA2B58CE}" type="slidenum">
+            <a:fld id="{0B5B6144-EBBD-44D1-A098-2361D1321670}" type="slidenum">
               <a:rPr lang="zh-CN" altLang="en-US" smtClean="0"/>
               <a:t>‹#›</a:t>
             </a:fld>
@@ -2438,7 +2438,7 @@
     </p:spTree>
     <p:extLst>
       <p:ext uri="{BB962C8B-B14F-4D97-AF65-F5344CB8AC3E}">
-        <p14:creationId xmlns:p14="http://schemas.microsoft.com/office/powerpoint/2010/main" val="4279037075"/>
+        <p14:creationId xmlns:p14="http://schemas.microsoft.com/office/powerpoint/2010/main" val="4281140695"/>
       </p:ext>
     </p:extLst>
   </p:cSld>
@@ -2470,7 +2470,7 @@
           <p:cNvPr id="2" name="标题 1">
             <a:extLst>
               <a:ext uri="{FF2B5EF4-FFF2-40B4-BE49-F238E27FC236}">
-                <a16:creationId xmlns:a16="http://schemas.microsoft.com/office/drawing/2014/main" id="{4D3AA272-0296-5886-E9F1-45D1DE3A3DAE}"/>
+                <a16:creationId xmlns:a16="http://schemas.microsoft.com/office/drawing/2014/main" id="{EAB6755F-5900-D517-563F-168BC42086C8}"/>
               </a:ext>
             </a:extLst>
           </p:cNvPr>
@@ -2507,7 +2507,7 @@
           <p:cNvPr id="3" name="图片占位符 2">
             <a:extLst>
               <a:ext uri="{FF2B5EF4-FFF2-40B4-BE49-F238E27FC236}">
-                <a16:creationId xmlns:a16="http://schemas.microsoft.com/office/drawing/2014/main" id="{344F8201-6269-2E49-FDD4-9802391DFBED}"/>
+                <a16:creationId xmlns:a16="http://schemas.microsoft.com/office/drawing/2014/main" id="{FE25DC6E-11BC-F5B2-C2F2-8DC9A2568E8D}"/>
               </a:ext>
             </a:extLst>
           </p:cNvPr>
@@ -2574,7 +2574,7 @@
           <p:cNvPr id="4" name="文本占位符 3">
             <a:extLst>
               <a:ext uri="{FF2B5EF4-FFF2-40B4-BE49-F238E27FC236}">
-                <a16:creationId xmlns:a16="http://schemas.microsoft.com/office/drawing/2014/main" id="{3884C3E9-CD3D-8A8C-1F11-0FD3936D4F58}"/>
+                <a16:creationId xmlns:a16="http://schemas.microsoft.com/office/drawing/2014/main" id="{E4473102-07A3-91CB-D077-94B5A123C184}"/>
               </a:ext>
             </a:extLst>
           </p:cNvPr>
@@ -2645,7 +2645,7 @@
           <p:cNvPr id="5" name="日期占位符 4">
             <a:extLst>
               <a:ext uri="{FF2B5EF4-FFF2-40B4-BE49-F238E27FC236}">
-                <a16:creationId xmlns:a16="http://schemas.microsoft.com/office/drawing/2014/main" id="{A5E2486C-2CD6-5687-C4AD-795C6E0BA587}"/>
+                <a16:creationId xmlns:a16="http://schemas.microsoft.com/office/drawing/2014/main" id="{9E65D60D-F064-C6F6-006B-00F289E6B876}"/>
               </a:ext>
             </a:extLst>
           </p:cNvPr>
@@ -2661,7 +2661,7 @@
           <a:bodyPr/>
           <a:lstStyle/>
           <a:p>
-            <a:fld id="{498C5F30-7572-4A51-BB52-0085B7BBF78D}" type="datetimeFigureOut">
+            <a:fld id="{DA1F0E10-5C1C-447A-977B-E92D53B9E597}" type="datetimeFigureOut">
               <a:rPr lang="zh-CN" altLang="en-US" smtClean="0"/>
               <a:t>2024/3/10</a:t>
             </a:fld>
@@ -2674,7 +2674,7 @@
           <p:cNvPr id="6" name="页脚占位符 5">
             <a:extLst>
               <a:ext uri="{FF2B5EF4-FFF2-40B4-BE49-F238E27FC236}">
-                <a16:creationId xmlns:a16="http://schemas.microsoft.com/office/drawing/2014/main" id="{DB26BA74-D7E2-F100-7C47-56F83FBDEB2C}"/>
+                <a16:creationId xmlns:a16="http://schemas.microsoft.com/office/drawing/2014/main" id="{CB6024DB-2127-E965-5C95-60328B4514AB}"/>
               </a:ext>
             </a:extLst>
           </p:cNvPr>
@@ -2699,7 +2699,7 @@
           <p:cNvPr id="7" name="灯片编号占位符 6">
             <a:extLst>
               <a:ext uri="{FF2B5EF4-FFF2-40B4-BE49-F238E27FC236}">
-                <a16:creationId xmlns:a16="http://schemas.microsoft.com/office/drawing/2014/main" id="{C8592F98-4AC3-B27F-C937-6DBF6636DFBC}"/>
+                <a16:creationId xmlns:a16="http://schemas.microsoft.com/office/drawing/2014/main" id="{19021E80-4F69-CDF4-623D-EE424A4BF8F8}"/>
               </a:ext>
             </a:extLst>
           </p:cNvPr>
@@ -2715,7 +2715,7 @@
           <a:bodyPr/>
           <a:lstStyle/>
           <a:p>
-            <a:fld id="{1E1C8381-D522-42E7-AE61-1E13DA2B58CE}" type="slidenum">
+            <a:fld id="{0B5B6144-EBBD-44D1-A098-2361D1321670}" type="slidenum">
               <a:rPr lang="zh-CN" altLang="en-US" smtClean="0"/>
               <a:t>‹#›</a:t>
             </a:fld>
@@ -2726,7 +2726,7 @@
     </p:spTree>
     <p:extLst>
       <p:ext uri="{BB962C8B-B14F-4D97-AF65-F5344CB8AC3E}">
-        <p14:creationId xmlns:p14="http://schemas.microsoft.com/office/powerpoint/2010/main" val="4239781587"/>
+        <p14:creationId xmlns:p14="http://schemas.microsoft.com/office/powerpoint/2010/main" val="2788784246"/>
       </p:ext>
     </p:extLst>
   </p:cSld>
@@ -2763,7 +2763,7 @@
           <p:cNvPr id="2" name="标题占位符 1">
             <a:extLst>
               <a:ext uri="{FF2B5EF4-FFF2-40B4-BE49-F238E27FC236}">
-                <a16:creationId xmlns:a16="http://schemas.microsoft.com/office/drawing/2014/main" id="{5677ACD4-AF32-D93F-A50F-EB303673644F}"/>
+                <a16:creationId xmlns:a16="http://schemas.microsoft.com/office/drawing/2014/main" id="{5729C738-6746-E2B7-1C19-3AB9A6151B59}"/>
               </a:ext>
             </a:extLst>
           </p:cNvPr>
@@ -2801,7 +2801,7 @@
           <p:cNvPr id="3" name="文本占位符 2">
             <a:extLst>
               <a:ext uri="{FF2B5EF4-FFF2-40B4-BE49-F238E27FC236}">
-                <a16:creationId xmlns:a16="http://schemas.microsoft.com/office/drawing/2014/main" id="{5A5C83CC-C668-46E8-BC77-3ABCBEEC09B9}"/>
+                <a16:creationId xmlns:a16="http://schemas.microsoft.com/office/drawing/2014/main" id="{A53E14F7-138D-D01C-8C36-6C185C12AA95}"/>
               </a:ext>
             </a:extLst>
           </p:cNvPr>
@@ -2868,7 +2868,7 @@
           <p:cNvPr id="4" name="日期占位符 3">
             <a:extLst>
               <a:ext uri="{FF2B5EF4-FFF2-40B4-BE49-F238E27FC236}">
-                <a16:creationId xmlns:a16="http://schemas.microsoft.com/office/drawing/2014/main" id="{1CDACF91-6ABA-E0F6-4F44-27D8FDA2440B}"/>
+                <a16:creationId xmlns:a16="http://schemas.microsoft.com/office/drawing/2014/main" id="{83F6975C-F88A-F57C-FE36-1A72A6940A08}"/>
               </a:ext>
             </a:extLst>
           </p:cNvPr>
@@ -2902,7 +2902,7 @@
             </a:lvl1pPr>
           </a:lstStyle>
           <a:p>
-            <a:fld id="{498C5F30-7572-4A51-BB52-0085B7BBF78D}" type="datetimeFigureOut">
+            <a:fld id="{DA1F0E10-5C1C-447A-977B-E92D53B9E597}" type="datetimeFigureOut">
               <a:rPr lang="zh-CN" altLang="en-US" smtClean="0"/>
               <a:t>2024/3/10</a:t>
             </a:fld>
@@ -2915,7 +2915,7 @@
           <p:cNvPr id="5" name="页脚占位符 4">
             <a:extLst>
               <a:ext uri="{FF2B5EF4-FFF2-40B4-BE49-F238E27FC236}">
-                <a16:creationId xmlns:a16="http://schemas.microsoft.com/office/drawing/2014/main" id="{8A96755C-9521-ED40-EC23-5D3982E1ED26}"/>
+                <a16:creationId xmlns:a16="http://schemas.microsoft.com/office/drawing/2014/main" id="{2D1F170D-97E7-FDB6-841F-60C63568B0A9}"/>
               </a:ext>
             </a:extLst>
           </p:cNvPr>
@@ -2958,7 +2958,7 @@
           <p:cNvPr id="6" name="灯片编号占位符 5">
             <a:extLst>
               <a:ext uri="{FF2B5EF4-FFF2-40B4-BE49-F238E27FC236}">
-                <a16:creationId xmlns:a16="http://schemas.microsoft.com/office/drawing/2014/main" id="{5C76986B-8C8A-6E5E-0FBA-D5EFBDD91AA6}"/>
+                <a16:creationId xmlns:a16="http://schemas.microsoft.com/office/drawing/2014/main" id="{87792DE0-D35A-6213-AABD-8AF83DF77CFC}"/>
               </a:ext>
             </a:extLst>
           </p:cNvPr>
@@ -2992,7 +2992,7 @@
             </a:lvl1pPr>
           </a:lstStyle>
           <a:p>
-            <a:fld id="{1E1C8381-D522-42E7-AE61-1E13DA2B58CE}" type="slidenum">
+            <a:fld id="{0B5B6144-EBBD-44D1-A098-2361D1321670}" type="slidenum">
               <a:rPr lang="zh-CN" altLang="en-US" smtClean="0"/>
               <a:t>‹#›</a:t>
             </a:fld>
@@ -3003,7 +3003,7 @@
     </p:spTree>
     <p:extLst>
       <p:ext uri="{BB962C8B-B14F-4D97-AF65-F5344CB8AC3E}">
-        <p14:creationId xmlns:p14="http://schemas.microsoft.com/office/powerpoint/2010/main" val="1691374239"/>
+        <p14:creationId xmlns:p14="http://schemas.microsoft.com/office/powerpoint/2010/main" val="1779188353"/>
       </p:ext>
     </p:extLst>
   </p:cSld>
@@ -3323,7 +3323,7 @@
       </p:grpSpPr>
       <p:pic>
         <p:nvPicPr>
-          <p:cNvPr id="348162" name="Picture 2" descr="339"/>
+          <p:cNvPr id="349186" name="Picture 2" descr="340"/>
           <p:cNvPicPr>
             <a:picLocks noChangeAspect="1" noChangeArrowheads="1"/>
           </p:cNvPicPr>
